--- a/Python Session/upcm/Pandas_Series.pptx
+++ b/Python Session/upcm/Pandas_Series.pptx
@@ -5,7 +5,11 @@
     <p:sldMasterId id="2147483648" r:id="rId1"/>
   </p:sldMasterIdLst>
   <p:sldIdLst>
-    <p:sldId id="256" r:id="rId2"/>
+    <p:sldId id="258" r:id="rId2"/>
+    <p:sldId id="256" r:id="rId3"/>
+    <p:sldId id="257" r:id="rId4"/>
+    <p:sldId id="259" r:id="rId5"/>
+    <p:sldId id="260" r:id="rId6"/>
   </p:sldIdLst>
   <p:sldSz cx="12192000" cy="6858000"/>
   <p:notesSz cx="6858000" cy="9144000"/>
@@ -243,7 +247,7 @@
           <a:p>
             <a:fld id="{6BEF7114-721A-4CB8-8F70-C7E2FA1B4662}" type="datetimeFigureOut">
               <a:rPr lang="en-IN" smtClean="0"/>
-              <a:t>27-05-2022</a:t>
+              <a:t>05-06-2022</a:t>
             </a:fld>
             <a:endParaRPr lang="en-IN"/>
           </a:p>
@@ -413,7 +417,7 @@
           <a:p>
             <a:fld id="{6BEF7114-721A-4CB8-8F70-C7E2FA1B4662}" type="datetimeFigureOut">
               <a:rPr lang="en-IN" smtClean="0"/>
-              <a:t>27-05-2022</a:t>
+              <a:t>05-06-2022</a:t>
             </a:fld>
             <a:endParaRPr lang="en-IN"/>
           </a:p>
@@ -593,7 +597,7 @@
           <a:p>
             <a:fld id="{6BEF7114-721A-4CB8-8F70-C7E2FA1B4662}" type="datetimeFigureOut">
               <a:rPr lang="en-IN" smtClean="0"/>
-              <a:t>27-05-2022</a:t>
+              <a:t>05-06-2022</a:t>
             </a:fld>
             <a:endParaRPr lang="en-IN"/>
           </a:p>
@@ -763,7 +767,7 @@
           <a:p>
             <a:fld id="{6BEF7114-721A-4CB8-8F70-C7E2FA1B4662}" type="datetimeFigureOut">
               <a:rPr lang="en-IN" smtClean="0"/>
-              <a:t>27-05-2022</a:t>
+              <a:t>05-06-2022</a:t>
             </a:fld>
             <a:endParaRPr lang="en-IN"/>
           </a:p>
@@ -1009,7 +1013,7 @@
           <a:p>
             <a:fld id="{6BEF7114-721A-4CB8-8F70-C7E2FA1B4662}" type="datetimeFigureOut">
               <a:rPr lang="en-IN" smtClean="0"/>
-              <a:t>27-05-2022</a:t>
+              <a:t>05-06-2022</a:t>
             </a:fld>
             <a:endParaRPr lang="en-IN"/>
           </a:p>
@@ -1241,7 +1245,7 @@
           <a:p>
             <a:fld id="{6BEF7114-721A-4CB8-8F70-C7E2FA1B4662}" type="datetimeFigureOut">
               <a:rPr lang="en-IN" smtClean="0"/>
-              <a:t>27-05-2022</a:t>
+              <a:t>05-06-2022</a:t>
             </a:fld>
             <a:endParaRPr lang="en-IN"/>
           </a:p>
@@ -1608,7 +1612,7 @@
           <a:p>
             <a:fld id="{6BEF7114-721A-4CB8-8F70-C7E2FA1B4662}" type="datetimeFigureOut">
               <a:rPr lang="en-IN" smtClean="0"/>
-              <a:t>27-05-2022</a:t>
+              <a:t>05-06-2022</a:t>
             </a:fld>
             <a:endParaRPr lang="en-IN"/>
           </a:p>
@@ -1726,7 +1730,7 @@
           <a:p>
             <a:fld id="{6BEF7114-721A-4CB8-8F70-C7E2FA1B4662}" type="datetimeFigureOut">
               <a:rPr lang="en-IN" smtClean="0"/>
-              <a:t>27-05-2022</a:t>
+              <a:t>05-06-2022</a:t>
             </a:fld>
             <a:endParaRPr lang="en-IN"/>
           </a:p>
@@ -1821,7 +1825,7 @@
           <a:p>
             <a:fld id="{6BEF7114-721A-4CB8-8F70-C7E2FA1B4662}" type="datetimeFigureOut">
               <a:rPr lang="en-IN" smtClean="0"/>
-              <a:t>27-05-2022</a:t>
+              <a:t>05-06-2022</a:t>
             </a:fld>
             <a:endParaRPr lang="en-IN"/>
           </a:p>
@@ -2098,7 +2102,7 @@
           <a:p>
             <a:fld id="{6BEF7114-721A-4CB8-8F70-C7E2FA1B4662}" type="datetimeFigureOut">
               <a:rPr lang="en-IN" smtClean="0"/>
-              <a:t>27-05-2022</a:t>
+              <a:t>05-06-2022</a:t>
             </a:fld>
             <a:endParaRPr lang="en-IN"/>
           </a:p>
@@ -2351,7 +2355,7 @@
           <a:p>
             <a:fld id="{6BEF7114-721A-4CB8-8F70-C7E2FA1B4662}" type="datetimeFigureOut">
               <a:rPr lang="en-IN" smtClean="0"/>
-              <a:t>27-05-2022</a:t>
+              <a:t>05-06-2022</a:t>
             </a:fld>
             <a:endParaRPr lang="en-IN"/>
           </a:p>
@@ -2564,7 +2568,7 @@
           <a:p>
             <a:fld id="{6BEF7114-721A-4CB8-8F70-C7E2FA1B4662}" type="datetimeFigureOut">
               <a:rPr lang="en-IN" smtClean="0"/>
-              <a:t>27-05-2022</a:t>
+              <a:t>05-06-2022</a:t>
             </a:fld>
             <a:endParaRPr lang="en-IN"/>
           </a:p>
@@ -2969,6 +2973,246 @@
           <a:chExt cx="0" cy="0"/>
         </a:xfrm>
       </p:grpSpPr>
+      <p:pic>
+        <p:nvPicPr>
+          <p:cNvPr id="6" name="Picture 5"/>
+          <p:cNvPicPr>
+            <a:picLocks noChangeAspect="1"/>
+          </p:cNvPicPr>
+          <p:nvPr/>
+        </p:nvPicPr>
+        <p:blipFill>
+          <a:blip r:embed="rId2">
+            <a:extLst>
+              <a:ext uri="{28A0092B-C50C-407E-A947-70E740481C1C}">
+                <a14:useLocalDpi xmlns:a14="http://schemas.microsoft.com/office/drawing/2010/main" val="0"/>
+              </a:ext>
+            </a:extLst>
+          </a:blip>
+          <a:stretch>
+            <a:fillRect/>
+          </a:stretch>
+        </p:blipFill>
+        <p:spPr>
+          <a:xfrm>
+            <a:off x="2062162" y="1743342"/>
+            <a:ext cx="7791595" cy="3255947"/>
+          </a:xfrm>
+          <a:prstGeom prst="rect">
+            <a:avLst/>
+          </a:prstGeom>
+        </p:spPr>
+      </p:pic>
+    </p:spTree>
+    <p:extLst>
+      <p:ext uri="{BB962C8B-B14F-4D97-AF65-F5344CB8AC3E}">
+        <p14:creationId xmlns:p14="http://schemas.microsoft.com/office/powerpoint/2010/main" val="3973136184"/>
+      </p:ext>
+    </p:extLst>
+  </p:cSld>
+  <p:clrMapOvr>
+    <a:masterClrMapping/>
+  </p:clrMapOvr>
+</p:sld>
+</file>
+
+<file path=ppt/slides/slide2.xml><?xml version="1.0" encoding="utf-8"?>
+<p:sld xmlns:a="http://schemas.openxmlformats.org/drawingml/2006/main" xmlns:r="http://schemas.openxmlformats.org/officeDocument/2006/relationships" xmlns:p="http://schemas.openxmlformats.org/presentationml/2006/main">
+  <p:cSld>
+    <p:spTree>
+      <p:nvGrpSpPr>
+        <p:cNvPr id="1" name=""/>
+        <p:cNvGrpSpPr/>
+        <p:nvPr/>
+      </p:nvGrpSpPr>
+      <p:grpSpPr>
+        <a:xfrm>
+          <a:off x="0" y="0"/>
+          <a:ext cx="0" cy="0"/>
+          <a:chOff x="0" y="0"/>
+          <a:chExt cx="0" cy="0"/>
+        </a:xfrm>
+      </p:grpSpPr>
+      <p:sp>
+        <p:nvSpPr>
+          <p:cNvPr id="2" name="Title 1"/>
+          <p:cNvSpPr>
+            <a:spLocks noGrp="1"/>
+          </p:cNvSpPr>
+          <p:nvPr>
+            <p:ph type="ctrTitle"/>
+          </p:nvPr>
+        </p:nvSpPr>
+        <p:spPr>
+          <a:xfrm>
+            <a:off x="3161944" y="478564"/>
+            <a:ext cx="4734370" cy="717848"/>
+          </a:xfrm>
+        </p:spPr>
+        <p:txBody>
+          <a:bodyPr>
+            <a:normAutofit/>
+          </a:bodyPr>
+          <a:lstStyle/>
+          <a:p>
+            <a:r>
+              <a:rPr lang="en-US" sz="3200" b="1" dirty="0" smtClean="0"/>
+              <a:t>Pandas</a:t>
+            </a:r>
+            <a:endParaRPr lang="en-IN" sz="3200" b="1" dirty="0"/>
+          </a:p>
+        </p:txBody>
+      </p:sp>
+      <p:sp>
+        <p:nvSpPr>
+          <p:cNvPr id="3" name="Subtitle 2"/>
+          <p:cNvSpPr>
+            <a:spLocks noGrp="1"/>
+          </p:cNvSpPr>
+          <p:nvPr>
+            <p:ph type="subTitle" idx="1"/>
+          </p:nvPr>
+        </p:nvSpPr>
+        <p:spPr>
+          <a:xfrm>
+            <a:off x="1361630" y="1546789"/>
+            <a:ext cx="10209376" cy="4896739"/>
+          </a:xfrm>
+        </p:spPr>
+        <p:txBody>
+          <a:bodyPr/>
+          <a:lstStyle/>
+          <a:p>
+            <a:pPr algn="l"/>
+            <a:r>
+              <a:rPr lang="en-US" dirty="0"/>
+              <a:t>It is a most famous Python package for data science, which offers</a:t>
+            </a:r>
+          </a:p>
+          <a:p>
+            <a:pPr algn="l"/>
+            <a:r>
+              <a:rPr lang="en-US" dirty="0"/>
+              <a:t>powerful and flexible data structures that make data analysis and</a:t>
+            </a:r>
+          </a:p>
+          <a:p>
+            <a:pPr algn="l"/>
+            <a:r>
+              <a:rPr lang="en-US" dirty="0"/>
+              <a:t>manipulation easy</a:t>
+            </a:r>
+            <a:r>
+              <a:rPr lang="en-US" dirty="0" smtClean="0"/>
+              <a:t>. Pandas </a:t>
+            </a:r>
+            <a:r>
+              <a:rPr lang="en-US" dirty="0"/>
+              <a:t>makes data importing and data analyzing</a:t>
+            </a:r>
+          </a:p>
+          <a:p>
+            <a:pPr algn="l"/>
+            <a:r>
+              <a:rPr lang="en-US" dirty="0"/>
+              <a:t>much easier. Pandas builds on packages like </a:t>
+            </a:r>
+            <a:r>
+              <a:rPr lang="en-US" b="1" dirty="0" err="1"/>
+              <a:t>NumPy</a:t>
+            </a:r>
+            <a:r>
+              <a:rPr lang="en-US" dirty="0"/>
+              <a:t> and </a:t>
+            </a:r>
+            <a:r>
+              <a:rPr lang="en-US" b="1" dirty="0" err="1" smtClean="0"/>
+              <a:t>matplotlib</a:t>
+            </a:r>
+            <a:endParaRPr lang="en-US" b="1" dirty="0"/>
+          </a:p>
+          <a:p>
+            <a:pPr algn="l"/>
+            <a:r>
+              <a:rPr lang="en-US" dirty="0"/>
+              <a:t>to give us a single &amp; convenient place for data analysis and</a:t>
+            </a:r>
+          </a:p>
+          <a:p>
+            <a:pPr algn="l"/>
+            <a:r>
+              <a:rPr lang="en-US" dirty="0"/>
+              <a:t>visualization </a:t>
+            </a:r>
+            <a:r>
+              <a:rPr lang="en-US" dirty="0" smtClean="0"/>
+              <a:t>work.</a:t>
+            </a:r>
+          </a:p>
+          <a:p>
+            <a:pPr algn="l"/>
+            <a:r>
+              <a:rPr lang="en-US" dirty="0"/>
+              <a:t>Two important data structures of pandas </a:t>
+            </a:r>
+            <a:r>
+              <a:rPr lang="en-US" dirty="0" smtClean="0"/>
+              <a:t>are.</a:t>
+            </a:r>
+          </a:p>
+          <a:p>
+            <a:pPr marL="457200" indent="-457200" algn="l">
+              <a:buFont typeface="+mj-lt"/>
+              <a:buAutoNum type="arabicPeriod"/>
+            </a:pPr>
+            <a:r>
+              <a:rPr lang="en-IN" b="1" dirty="0" smtClean="0"/>
+              <a:t>Series</a:t>
+            </a:r>
+          </a:p>
+          <a:p>
+            <a:pPr marL="457200" indent="-457200" algn="l">
+              <a:buFont typeface="+mj-lt"/>
+              <a:buAutoNum type="arabicPeriod"/>
+            </a:pPr>
+            <a:r>
+              <a:rPr lang="en-IN" b="1" dirty="0" err="1"/>
+              <a:t>DataFrame</a:t>
+            </a:r>
+            <a:endParaRPr lang="en-IN" b="1" dirty="0"/>
+          </a:p>
+        </p:txBody>
+      </p:sp>
+    </p:spTree>
+    <p:extLst>
+      <p:ext uri="{BB962C8B-B14F-4D97-AF65-F5344CB8AC3E}">
+        <p14:creationId xmlns:p14="http://schemas.microsoft.com/office/powerpoint/2010/main" val="4124851843"/>
+      </p:ext>
+    </p:extLst>
+  </p:cSld>
+  <p:clrMapOvr>
+    <a:masterClrMapping/>
+  </p:clrMapOvr>
+</p:sld>
+</file>
+
+<file path=ppt/slides/slide3.xml><?xml version="1.0" encoding="utf-8"?>
+<p:sld xmlns:a="http://schemas.openxmlformats.org/drawingml/2006/main" xmlns:r="http://schemas.openxmlformats.org/officeDocument/2006/relationships" xmlns:p="http://schemas.openxmlformats.org/presentationml/2006/main">
+  <p:cSld>
+    <p:spTree>
+      <p:nvGrpSpPr>
+        <p:cNvPr id="1" name=""/>
+        <p:cNvGrpSpPr/>
+        <p:nvPr/>
+      </p:nvGrpSpPr>
+      <p:grpSpPr>
+        <a:xfrm>
+          <a:off x="0" y="0"/>
+          <a:ext cx="0" cy="0"/>
+          <a:chOff x="0" y="0"/>
+          <a:chExt cx="0" cy="0"/>
+        </a:xfrm>
+      </p:grpSpPr>
       <p:sp>
         <p:nvSpPr>
           <p:cNvPr id="2" name="Title 1"/>
@@ -3025,12 +3269,12 @@
               <a:t>A Series is a one-dimensional array </a:t>
             </a:r>
             <a:r>
-              <a:rPr lang="en-US" dirty="0" err="1" smtClean="0"/>
-              <a:t>conataining</a:t>
-            </a:r>
-            <a:r>
               <a:rPr lang="en-US" dirty="0" smtClean="0"/>
-              <a:t> a sequence of values of any data type(</a:t>
+              <a:t>containing </a:t>
+            </a:r>
+            <a:r>
+              <a:rPr lang="en-US" dirty="0" smtClean="0"/>
+              <a:t>a sequence of values of any data type(</a:t>
             </a:r>
             <a:r>
               <a:rPr lang="en-US" dirty="0" err="1" smtClean="0"/>
@@ -3049,33 +3293,474 @@
               <a:t>) which is by default have numerical data labels starting from </a:t>
             </a:r>
             <a:r>
-              <a:rPr lang="en-US" dirty="0" err="1" smtClean="0"/>
-              <a:t>zero.The</a:t>
-            </a:r>
-            <a:r>
               <a:rPr lang="en-US" dirty="0" smtClean="0"/>
-              <a:t> data labels associated with a particular value is called its index. We can also assign values of other data types as </a:t>
-            </a:r>
-            <a:r>
-              <a:rPr lang="en-US" dirty="0" err="1" smtClean="0"/>
-              <a:t>index.We</a:t>
+              <a:t>zero. The </a:t>
             </a:r>
             <a:r>
               <a:rPr lang="en-US" dirty="0" smtClean="0"/>
-              <a:t> can imaging Panda’s Series as a column in </a:t>
-            </a:r>
-            <a:r>
-              <a:rPr lang="en-US" smtClean="0"/>
-              <a:t>a spreadsheet</a:t>
-            </a:r>
+              <a:t>data labels associated with a particular value is called its index. </a:t>
+            </a:r>
+            <a:r>
+              <a:rPr lang="en-US" dirty="0" smtClean="0"/>
+              <a:t>We </a:t>
+            </a:r>
+            <a:r>
+              <a:rPr lang="en-US" dirty="0" smtClean="0"/>
+              <a:t>can imaging Panda’s Series as a column in a </a:t>
+            </a:r>
+            <a:r>
+              <a:rPr lang="en-US" dirty="0" smtClean="0"/>
+              <a:t>spreadsheet.</a:t>
+            </a:r>
+          </a:p>
+          <a:p>
+            <a:pPr algn="l"/>
+            <a:r>
+              <a:rPr lang="en-US" dirty="0" smtClean="0"/>
+              <a:t>		          </a:t>
+            </a:r>
+            <a:r>
+              <a:rPr lang="en-US" b="1" dirty="0" smtClean="0"/>
+              <a:t>Index        values</a:t>
+            </a:r>
+            <a:endParaRPr lang="en-US" b="1" dirty="0"/>
+          </a:p>
+          <a:p>
+            <a:pPr algn="l"/>
+            <a:endParaRPr lang="en-US" dirty="0" smtClean="0"/>
+          </a:p>
+          <a:p>
+            <a:pPr algn="l"/>
+            <a:endParaRPr lang="en-US" dirty="0" smtClean="0"/>
+          </a:p>
+          <a:p>
+            <a:pPr algn="l"/>
             <a:endParaRPr lang="en-IN" dirty="0"/>
           </a:p>
         </p:txBody>
       </p:sp>
+      <p:graphicFrame>
+        <p:nvGraphicFramePr>
+          <p:cNvPr id="5" name="Table 4"/>
+          <p:cNvGraphicFramePr>
+            <a:graphicFrameLocks noGrp="1"/>
+          </p:cNvGraphicFramePr>
+          <p:nvPr>
+            <p:extLst>
+              <p:ext uri="{D42A27DB-BD31-4B8C-83A1-F6EECF244321}">
+                <p14:modId xmlns:p14="http://schemas.microsoft.com/office/powerpoint/2010/main" val="3198657790"/>
+              </p:ext>
+            </p:extLst>
+          </p:nvPr>
+        </p:nvGraphicFramePr>
+        <p:xfrm>
+          <a:off x="3341405" y="3420137"/>
+          <a:ext cx="3649056" cy="1854200"/>
+        </p:xfrm>
+        <a:graphic>
+          <a:graphicData uri="http://schemas.openxmlformats.org/drawingml/2006/table">
+            <a:tbl>
+              <a:tblPr firstRow="1" bandRow="1">
+                <a:tableStyleId>{5C22544A-7EE6-4342-B048-85BDC9FD1C3A}</a:tableStyleId>
+              </a:tblPr>
+              <a:tblGrid>
+                <a:gridCol w="1824528"/>
+                <a:gridCol w="1824528"/>
+              </a:tblGrid>
+              <a:tr h="370840">
+                <a:tc>
+                  <a:txBody>
+                    <a:bodyPr/>
+                    <a:lstStyle/>
+                    <a:p>
+                      <a:pPr algn="ctr"/>
+                      <a:r>
+                        <a:rPr lang="en-US" b="1" dirty="0" smtClean="0"/>
+                        <a:t>A</a:t>
+                      </a:r>
+                      <a:endParaRPr lang="en-IN" b="1" dirty="0"/>
+                    </a:p>
+                  </a:txBody>
+                  <a:tcPr/>
+                </a:tc>
+                <a:tc>
+                  <a:txBody>
+                    <a:bodyPr/>
+                    <a:lstStyle/>
+                    <a:p>
+                      <a:pPr algn="ctr"/>
+                      <a:r>
+                        <a:rPr lang="en-US" b="1" dirty="0" smtClean="0"/>
+                        <a:t>10</a:t>
+                      </a:r>
+                      <a:endParaRPr lang="en-IN" b="1" dirty="0"/>
+                    </a:p>
+                  </a:txBody>
+                  <a:tcPr/>
+                </a:tc>
+              </a:tr>
+              <a:tr h="370840">
+                <a:tc>
+                  <a:txBody>
+                    <a:bodyPr/>
+                    <a:lstStyle/>
+                    <a:p>
+                      <a:pPr algn="ctr"/>
+                      <a:r>
+                        <a:rPr lang="en-US" b="1" dirty="0" smtClean="0"/>
+                        <a:t>B</a:t>
+                      </a:r>
+                      <a:endParaRPr lang="en-IN" b="1" dirty="0"/>
+                    </a:p>
+                  </a:txBody>
+                  <a:tcPr/>
+                </a:tc>
+                <a:tc>
+                  <a:txBody>
+                    <a:bodyPr/>
+                    <a:lstStyle/>
+                    <a:p>
+                      <a:pPr algn="ctr"/>
+                      <a:r>
+                        <a:rPr lang="en-US" b="1" dirty="0" smtClean="0"/>
+                        <a:t>3</a:t>
+                      </a:r>
+                      <a:endParaRPr lang="en-IN" b="1" dirty="0"/>
+                    </a:p>
+                  </a:txBody>
+                  <a:tcPr/>
+                </a:tc>
+              </a:tr>
+              <a:tr h="370840">
+                <a:tc>
+                  <a:txBody>
+                    <a:bodyPr/>
+                    <a:lstStyle/>
+                    <a:p>
+                      <a:pPr algn="ctr"/>
+                      <a:r>
+                        <a:rPr lang="en-US" b="1" dirty="0" smtClean="0"/>
+                        <a:t>C</a:t>
+                      </a:r>
+                      <a:endParaRPr lang="en-IN" b="1" dirty="0"/>
+                    </a:p>
+                  </a:txBody>
+                  <a:tcPr/>
+                </a:tc>
+                <a:tc>
+                  <a:txBody>
+                    <a:bodyPr/>
+                    <a:lstStyle/>
+                    <a:p>
+                      <a:pPr algn="ctr"/>
+                      <a:r>
+                        <a:rPr lang="en-US" b="1" dirty="0" smtClean="0"/>
+                        <a:t>-10</a:t>
+                      </a:r>
+                      <a:endParaRPr lang="en-IN" b="1" dirty="0"/>
+                    </a:p>
+                  </a:txBody>
+                  <a:tcPr/>
+                </a:tc>
+              </a:tr>
+              <a:tr h="370840">
+                <a:tc>
+                  <a:txBody>
+                    <a:bodyPr/>
+                    <a:lstStyle/>
+                    <a:p>
+                      <a:pPr algn="ctr"/>
+                      <a:r>
+                        <a:rPr lang="en-US" b="1" dirty="0" smtClean="0"/>
+                        <a:t>D</a:t>
+                      </a:r>
+                      <a:endParaRPr lang="en-IN" b="1" dirty="0"/>
+                    </a:p>
+                  </a:txBody>
+                  <a:tcPr/>
+                </a:tc>
+                <a:tc>
+                  <a:txBody>
+                    <a:bodyPr/>
+                    <a:lstStyle/>
+                    <a:p>
+                      <a:pPr algn="ctr"/>
+                      <a:r>
+                        <a:rPr lang="en-US" b="1" dirty="0" smtClean="0"/>
+                        <a:t>2</a:t>
+                      </a:r>
+                      <a:endParaRPr lang="en-IN" b="1" dirty="0"/>
+                    </a:p>
+                  </a:txBody>
+                  <a:tcPr/>
+                </a:tc>
+              </a:tr>
+              <a:tr h="370840">
+                <a:tc>
+                  <a:txBody>
+                    <a:bodyPr/>
+                    <a:lstStyle/>
+                    <a:p>
+                      <a:pPr algn="ctr"/>
+                      <a:r>
+                        <a:rPr lang="en-US" b="1" dirty="0" smtClean="0"/>
+                        <a:t>E</a:t>
+                      </a:r>
+                      <a:endParaRPr lang="en-IN" b="1" dirty="0"/>
+                    </a:p>
+                  </a:txBody>
+                  <a:tcPr/>
+                </a:tc>
+                <a:tc>
+                  <a:txBody>
+                    <a:bodyPr/>
+                    <a:lstStyle/>
+                    <a:p>
+                      <a:pPr algn="ctr"/>
+                      <a:r>
+                        <a:rPr lang="en-US" b="1" dirty="0" smtClean="0"/>
+                        <a:t>55</a:t>
+                      </a:r>
+                      <a:endParaRPr lang="en-IN" b="1" dirty="0"/>
+                    </a:p>
+                  </a:txBody>
+                  <a:tcPr/>
+                </a:tc>
+              </a:tr>
+            </a:tbl>
+          </a:graphicData>
+        </a:graphic>
+      </p:graphicFrame>
     </p:spTree>
     <p:extLst>
       <p:ext uri="{BB962C8B-B14F-4D97-AF65-F5344CB8AC3E}">
-        <p14:creationId xmlns:p14="http://schemas.microsoft.com/office/powerpoint/2010/main" val="4124851843"/>
+        <p14:creationId xmlns:p14="http://schemas.microsoft.com/office/powerpoint/2010/main" val="275237218"/>
+      </p:ext>
+    </p:extLst>
+  </p:cSld>
+  <p:clrMapOvr>
+    <a:masterClrMapping/>
+  </p:clrMapOvr>
+</p:sld>
+</file>
+
+<file path=ppt/slides/slide4.xml><?xml version="1.0" encoding="utf-8"?>
+<p:sld xmlns:a="http://schemas.openxmlformats.org/drawingml/2006/main" xmlns:r="http://schemas.openxmlformats.org/officeDocument/2006/relationships" xmlns:p="http://schemas.openxmlformats.org/presentationml/2006/main">
+  <p:cSld>
+    <p:spTree>
+      <p:nvGrpSpPr>
+        <p:cNvPr id="1" name=""/>
+        <p:cNvGrpSpPr/>
+        <p:nvPr/>
+      </p:nvGrpSpPr>
+      <p:grpSpPr>
+        <a:xfrm>
+          <a:off x="0" y="0"/>
+          <a:ext cx="0" cy="0"/>
+          <a:chOff x="0" y="0"/>
+          <a:chExt cx="0" cy="0"/>
+        </a:xfrm>
+      </p:grpSpPr>
+      <p:sp>
+        <p:nvSpPr>
+          <p:cNvPr id="2" name="Title 1"/>
+          <p:cNvSpPr>
+            <a:spLocks noGrp="1"/>
+          </p:cNvSpPr>
+          <p:nvPr>
+            <p:ph type="ctrTitle"/>
+          </p:nvPr>
+        </p:nvSpPr>
+        <p:spPr>
+          <a:xfrm>
+            <a:off x="3161944" y="478564"/>
+            <a:ext cx="4734370" cy="717848"/>
+          </a:xfrm>
+        </p:spPr>
+        <p:txBody>
+          <a:bodyPr>
+            <a:normAutofit/>
+          </a:bodyPr>
+          <a:lstStyle/>
+          <a:p>
+            <a:r>
+              <a:rPr lang="en-US" sz="3200" b="1" dirty="0" smtClean="0"/>
+              <a:t>Pandas </a:t>
+            </a:r>
+            <a:r>
+              <a:rPr lang="en-IN" sz="3200" b="1" dirty="0" err="1"/>
+              <a:t>DataFrame</a:t>
+            </a:r>
+            <a:endParaRPr lang="en-IN" sz="3200" b="1" dirty="0"/>
+          </a:p>
+        </p:txBody>
+      </p:sp>
+      <p:sp>
+        <p:nvSpPr>
+          <p:cNvPr id="3" name="Subtitle 2"/>
+          <p:cNvSpPr>
+            <a:spLocks noGrp="1"/>
+          </p:cNvSpPr>
+          <p:nvPr>
+            <p:ph type="subTitle" idx="1"/>
+          </p:nvPr>
+        </p:nvSpPr>
+        <p:spPr>
+          <a:xfrm>
+            <a:off x="1361630" y="1546789"/>
+            <a:ext cx="10209376" cy="4896739"/>
+          </a:xfrm>
+        </p:spPr>
+        <p:txBody>
+          <a:bodyPr/>
+          <a:lstStyle/>
+          <a:p>
+            <a:pPr algn="l"/>
+            <a:r>
+              <a:rPr lang="en-US" dirty="0"/>
+              <a:t>A Data frame is a two-dimensional data structure, i.e., data is aligned in a tabular fashion in rows and </a:t>
+            </a:r>
+            <a:r>
+              <a:rPr lang="en-US" dirty="0" smtClean="0"/>
+              <a:t>columns.</a:t>
+            </a:r>
+          </a:p>
+          <a:p>
+            <a:pPr algn="l"/>
+            <a:r>
+              <a:rPr lang="en-US" dirty="0" err="1"/>
+              <a:t>DataFrame</a:t>
+            </a:r>
+            <a:r>
+              <a:rPr lang="en-US" dirty="0"/>
+              <a:t> is defined as a standard way to store data that has two different indexes, i.e., </a:t>
+            </a:r>
+            <a:r>
+              <a:rPr lang="en-US" b="1" dirty="0"/>
+              <a:t>row index</a:t>
+            </a:r>
+            <a:r>
+              <a:rPr lang="en-US" dirty="0"/>
+              <a:t> and </a:t>
+            </a:r>
+            <a:r>
+              <a:rPr lang="en-US" b="1" dirty="0"/>
+              <a:t>column </a:t>
+            </a:r>
+            <a:r>
+              <a:rPr lang="en-US" b="1" dirty="0" smtClean="0"/>
+              <a:t>index</a:t>
+            </a:r>
+            <a:endParaRPr lang="en-IN" dirty="0"/>
+          </a:p>
+          <a:p>
+            <a:pPr algn="l"/>
+            <a:endParaRPr lang="en-US" dirty="0" smtClean="0"/>
+          </a:p>
+        </p:txBody>
+      </p:sp>
+      <p:pic>
+        <p:nvPicPr>
+          <p:cNvPr id="4" name="Picture 3"/>
+          <p:cNvPicPr>
+            <a:picLocks noChangeAspect="1"/>
+          </p:cNvPicPr>
+          <p:nvPr/>
+        </p:nvPicPr>
+        <p:blipFill>
+          <a:blip r:embed="rId2">
+            <a:extLst>
+              <a:ext uri="{28A0092B-C50C-407E-A947-70E740481C1C}">
+                <a14:useLocalDpi xmlns:a14="http://schemas.microsoft.com/office/drawing/2010/main" val="0"/>
+              </a:ext>
+            </a:extLst>
+          </a:blip>
+          <a:stretch>
+            <a:fillRect/>
+          </a:stretch>
+        </p:blipFill>
+        <p:spPr>
+          <a:xfrm>
+            <a:off x="2226713" y="3144852"/>
+            <a:ext cx="5951612" cy="3512320"/>
+          </a:xfrm>
+          <a:prstGeom prst="rect">
+            <a:avLst/>
+          </a:prstGeom>
+        </p:spPr>
+      </p:pic>
+    </p:spTree>
+    <p:extLst>
+      <p:ext uri="{BB962C8B-B14F-4D97-AF65-F5344CB8AC3E}">
+        <p14:creationId xmlns:p14="http://schemas.microsoft.com/office/powerpoint/2010/main" val="4052233145"/>
+      </p:ext>
+    </p:extLst>
+  </p:cSld>
+  <p:clrMapOvr>
+    <a:masterClrMapping/>
+  </p:clrMapOvr>
+</p:sld>
+</file>
+
+<file path=ppt/slides/slide5.xml><?xml version="1.0" encoding="utf-8"?>
+<p:sld xmlns:a="http://schemas.openxmlformats.org/drawingml/2006/main" xmlns:r="http://schemas.openxmlformats.org/officeDocument/2006/relationships" xmlns:p="http://schemas.openxmlformats.org/presentationml/2006/main">
+  <p:cSld>
+    <p:spTree>
+      <p:nvGrpSpPr>
+        <p:cNvPr id="1" name=""/>
+        <p:cNvGrpSpPr/>
+        <p:nvPr/>
+      </p:nvGrpSpPr>
+      <p:grpSpPr>
+        <a:xfrm>
+          <a:off x="0" y="0"/>
+          <a:ext cx="0" cy="0"/>
+          <a:chOff x="0" y="0"/>
+          <a:chExt cx="0" cy="0"/>
+        </a:xfrm>
+      </p:grpSpPr>
+      <p:sp>
+        <p:nvSpPr>
+          <p:cNvPr id="2" name="Title 1"/>
+          <p:cNvSpPr>
+            <a:spLocks noGrp="1"/>
+          </p:cNvSpPr>
+          <p:nvPr>
+            <p:ph type="title"/>
+          </p:nvPr>
+        </p:nvSpPr>
+        <p:spPr/>
+        <p:txBody>
+          <a:bodyPr/>
+          <a:lstStyle/>
+          <a:p>
+            <a:endParaRPr lang="en-IN"/>
+          </a:p>
+        </p:txBody>
+      </p:sp>
+      <p:sp>
+        <p:nvSpPr>
+          <p:cNvPr id="3" name="Content Placeholder 2"/>
+          <p:cNvSpPr>
+            <a:spLocks noGrp="1"/>
+          </p:cNvSpPr>
+          <p:nvPr>
+            <p:ph idx="1"/>
+          </p:nvPr>
+        </p:nvSpPr>
+        <p:spPr/>
+        <p:txBody>
+          <a:bodyPr/>
+          <a:lstStyle/>
+          <a:p>
+            <a:endParaRPr lang="en-IN"/>
+          </a:p>
+        </p:txBody>
+      </p:sp>
+    </p:spTree>
+    <p:extLst>
+      <p:ext uri="{BB962C8B-B14F-4D97-AF65-F5344CB8AC3E}">
+        <p14:creationId xmlns:p14="http://schemas.microsoft.com/office/powerpoint/2010/main" val="3355405668"/>
       </p:ext>
     </p:extLst>
   </p:cSld>
